--- a/Presentation/GlobalAzure2021_Template.pptx
+++ b/Presentation/GlobalAzure2021_Template.pptx
@@ -6,12 +6,13 @@
   </p:sldMasterIdLst>
   <p:sldIdLst>
     <p:sldId id="265" r:id="rId2"/>
-    <p:sldId id="263" r:id="rId3"/>
-    <p:sldId id="264" r:id="rId4"/>
-    <p:sldId id="257" r:id="rId5"/>
-    <p:sldId id="258" r:id="rId6"/>
-    <p:sldId id="260" r:id="rId7"/>
-    <p:sldId id="262" r:id="rId8"/>
+    <p:sldId id="266" r:id="rId3"/>
+    <p:sldId id="263" r:id="rId4"/>
+    <p:sldId id="264" r:id="rId5"/>
+    <p:sldId id="257" r:id="rId6"/>
+    <p:sldId id="258" r:id="rId7"/>
+    <p:sldId id="260" r:id="rId8"/>
+    <p:sldId id="262" r:id="rId9"/>
   </p:sldIdLst>
   <p:sldSz cx="12192000" cy="6858000"/>
   <p:notesSz cx="6858000" cy="9144000"/>
@@ -989,7 +990,7 @@
           <a:p>
             <a:fld id="{0AE94EDD-D22A-4702-AFE1-732A7AD641D0}" type="datetimeFigureOut">
               <a:rPr lang="en-US" smtClean="0"/>
-              <a:t>3/20/2021</a:t>
+              <a:t>4/14/2021</a:t>
             </a:fld>
             <a:endParaRPr lang="en-US"/>
           </a:p>
@@ -7245,7 +7246,7 @@
           <a:p>
             <a:fld id="{0AE94EDD-D22A-4702-AFE1-732A7AD641D0}" type="datetimeFigureOut">
               <a:rPr lang="en-US" smtClean="0"/>
-              <a:t>3/20/2021</a:t>
+              <a:t>4/14/2021</a:t>
             </a:fld>
             <a:endParaRPr lang="en-US"/>
           </a:p>
@@ -7884,7 +7885,7 @@
           <a:p>
             <a:fld id="{0AE94EDD-D22A-4702-AFE1-732A7AD641D0}" type="datetimeFigureOut">
               <a:rPr lang="en-US" smtClean="0"/>
-              <a:t>3/20/2021</a:t>
+              <a:t>4/14/2021</a:t>
             </a:fld>
             <a:endParaRPr lang="en-US"/>
           </a:p>
@@ -9377,12 +9378,120 @@
           <a:chExt cx="0" cy="0"/>
         </a:xfrm>
       </p:grpSpPr>
+      <p:pic>
+        <p:nvPicPr>
+          <p:cNvPr id="6" name="Picture 5" descr="Logo&#10;&#10;Description automatically generated">
+            <a:extLst>
+              <a:ext uri="{FF2B5EF4-FFF2-40B4-BE49-F238E27FC236}">
+                <a16:creationId xmlns:a16="http://schemas.microsoft.com/office/drawing/2014/main" id="{6DC47410-F4C8-4173-991B-60A9F708653C}"/>
+              </a:ext>
+            </a:extLst>
+          </p:cNvPr>
+          <p:cNvPicPr>
+            <a:picLocks noChangeAspect="1"/>
+          </p:cNvPicPr>
+          <p:nvPr/>
+        </p:nvPicPr>
+        <p:blipFill>
+          <a:blip r:embed="rId2">
+            <a:extLst>
+              <a:ext uri="{28A0092B-C50C-407E-A947-70E740481C1C}">
+                <a14:useLocalDpi xmlns:a14="http://schemas.microsoft.com/office/drawing/2010/main" val="0"/>
+              </a:ext>
+            </a:extLst>
+          </a:blip>
+          <a:stretch>
+            <a:fillRect/>
+          </a:stretch>
+        </p:blipFill>
+        <p:spPr>
+          <a:xfrm>
+            <a:off x="325316" y="3283208"/>
+            <a:ext cx="3442819" cy="1645314"/>
+          </a:xfrm>
+          <a:prstGeom prst="rect">
+            <a:avLst/>
+          </a:prstGeom>
+        </p:spPr>
+      </p:pic>
+      <p:pic>
+        <p:nvPicPr>
+          <p:cNvPr id="8" name="Picture 7" descr="Logo&#10;&#10;Description automatically generated">
+            <a:extLst>
+              <a:ext uri="{FF2B5EF4-FFF2-40B4-BE49-F238E27FC236}">
+                <a16:creationId xmlns:a16="http://schemas.microsoft.com/office/drawing/2014/main" id="{B7D0E8B5-E3D3-4ADA-BFCE-6B091010BBA0}"/>
+              </a:ext>
+            </a:extLst>
+          </p:cNvPr>
+          <p:cNvPicPr>
+            <a:picLocks noChangeAspect="1"/>
+          </p:cNvPicPr>
+          <p:nvPr/>
+        </p:nvPicPr>
+        <p:blipFill>
+          <a:blip r:embed="rId3">
+            <a:extLst>
+              <a:ext uri="{28A0092B-C50C-407E-A947-70E740481C1C}">
+                <a14:useLocalDpi xmlns:a14="http://schemas.microsoft.com/office/drawing/2010/main" val="0"/>
+              </a:ext>
+            </a:extLst>
+          </a:blip>
+          <a:stretch>
+            <a:fillRect/>
+          </a:stretch>
+        </p:blipFill>
+        <p:spPr>
+          <a:xfrm>
+            <a:off x="3142806" y="683731"/>
+            <a:ext cx="6120396" cy="2743206"/>
+          </a:xfrm>
+          <a:prstGeom prst="rect">
+            <a:avLst/>
+          </a:prstGeom>
+        </p:spPr>
+      </p:pic>
+      <p:pic>
+        <p:nvPicPr>
+          <p:cNvPr id="10" name="Picture 9" descr="Icon&#10;&#10;Description automatically generated">
+            <a:extLst>
+              <a:ext uri="{FF2B5EF4-FFF2-40B4-BE49-F238E27FC236}">
+                <a16:creationId xmlns:a16="http://schemas.microsoft.com/office/drawing/2014/main" id="{D2898A56-BFF1-431E-AE19-A81594793F80}"/>
+              </a:ext>
+            </a:extLst>
+          </p:cNvPr>
+          <p:cNvPicPr>
+            <a:picLocks noChangeAspect="1"/>
+          </p:cNvPicPr>
+          <p:nvPr/>
+        </p:nvPicPr>
+        <p:blipFill>
+          <a:blip r:embed="rId4">
+            <a:extLst>
+              <a:ext uri="{28A0092B-C50C-407E-A947-70E740481C1C}">
+                <a14:useLocalDpi xmlns:a14="http://schemas.microsoft.com/office/drawing/2010/main" val="0"/>
+              </a:ext>
+            </a:extLst>
+          </a:blip>
+          <a:stretch>
+            <a:fillRect/>
+          </a:stretch>
+        </p:blipFill>
+        <p:spPr>
+          <a:xfrm>
+            <a:off x="9690456" y="3395323"/>
+            <a:ext cx="1668467" cy="1808618"/>
+          </a:xfrm>
+          <a:prstGeom prst="rect">
+            <a:avLst/>
+          </a:prstGeom>
+        </p:spPr>
+      </p:pic>
       <p:sp>
         <p:nvSpPr>
-          <p:cNvPr id="5" name="Title 4">
-            <a:extLst>
-              <a:ext uri="{FF2B5EF4-FFF2-40B4-BE49-F238E27FC236}">
-                <a16:creationId xmlns:a16="http://schemas.microsoft.com/office/drawing/2014/main" id="{10801826-D1EC-495A-B39E-EB60FC876EB9}"/>
+          <p:cNvPr id="11" name="Title 10">
+            <a:extLst>
+              <a:ext uri="{FF2B5EF4-FFF2-40B4-BE49-F238E27FC236}">
+                <a16:creationId xmlns:a16="http://schemas.microsoft.com/office/drawing/2014/main" id="{D136083F-1218-469B-A37E-774FADEF20A8}"/>
               </a:ext>
             </a:extLst>
           </p:cNvPr>
@@ -9400,121 +9509,51 @@
           <a:p>
             <a:r>
               <a:rPr lang="en-US" dirty="0"/>
-              <a:t>Who I am</a:t>
+              <a:t>Thanks for collaboration</a:t>
             </a:r>
           </a:p>
         </p:txBody>
       </p:sp>
-      <p:sp>
-        <p:nvSpPr>
-          <p:cNvPr id="6" name="Text Placeholder 5">
-            <a:extLst>
-              <a:ext uri="{FF2B5EF4-FFF2-40B4-BE49-F238E27FC236}">
-                <a16:creationId xmlns:a16="http://schemas.microsoft.com/office/drawing/2014/main" id="{4AD74FBB-F86F-41E2-81B5-937757080026}"/>
-              </a:ext>
-            </a:extLst>
-          </p:cNvPr>
-          <p:cNvSpPr>
-            <a:spLocks noGrp="1"/>
-          </p:cNvSpPr>
-          <p:nvPr>
-            <p:ph type="body" sz="quarter" idx="10"/>
-          </p:nvPr>
-        </p:nvSpPr>
-        <p:spPr/>
-        <p:txBody>
-          <a:bodyPr>
-            <a:normAutofit fontScale="92500" lnSpcReduction="10000"/>
-          </a:bodyPr>
-          <a:lstStyle/>
-          <a:p>
-            <a:endParaRPr lang="en-US"/>
-          </a:p>
-        </p:txBody>
-      </p:sp>
-      <p:sp>
-        <p:nvSpPr>
-          <p:cNvPr id="7" name="Text Placeholder 6">
-            <a:extLst>
-              <a:ext uri="{FF2B5EF4-FFF2-40B4-BE49-F238E27FC236}">
-                <a16:creationId xmlns:a16="http://schemas.microsoft.com/office/drawing/2014/main" id="{5E39D7F1-ED04-48F8-B4A9-96B43565281F}"/>
-              </a:ext>
-            </a:extLst>
-          </p:cNvPr>
-          <p:cNvSpPr>
-            <a:spLocks noGrp="1"/>
-          </p:cNvSpPr>
-          <p:nvPr>
-            <p:ph type="body" sz="quarter" idx="11"/>
-          </p:nvPr>
-        </p:nvSpPr>
-        <p:spPr/>
-        <p:txBody>
-          <a:bodyPr>
-            <a:normAutofit fontScale="92500" lnSpcReduction="10000"/>
-          </a:bodyPr>
-          <a:lstStyle/>
-          <a:p>
-            <a:endParaRPr lang="en-US"/>
-          </a:p>
-        </p:txBody>
-      </p:sp>
-      <p:sp>
-        <p:nvSpPr>
-          <p:cNvPr id="8" name="Text Placeholder 7">
-            <a:extLst>
-              <a:ext uri="{FF2B5EF4-FFF2-40B4-BE49-F238E27FC236}">
-                <a16:creationId xmlns:a16="http://schemas.microsoft.com/office/drawing/2014/main" id="{2A12E99D-348B-4644-9C1E-5EE333B378ED}"/>
-              </a:ext>
-            </a:extLst>
-          </p:cNvPr>
-          <p:cNvSpPr>
-            <a:spLocks noGrp="1"/>
-          </p:cNvSpPr>
-          <p:nvPr>
-            <p:ph type="body" sz="quarter" idx="12"/>
-          </p:nvPr>
-        </p:nvSpPr>
-        <p:spPr/>
-        <p:txBody>
-          <a:bodyPr>
-            <a:normAutofit fontScale="92500" lnSpcReduction="10000"/>
-          </a:bodyPr>
-          <a:lstStyle/>
-          <a:p>
-            <a:endParaRPr lang="en-US"/>
-          </a:p>
-        </p:txBody>
-      </p:sp>
-      <p:sp>
-        <p:nvSpPr>
-          <p:cNvPr id="9" name="Text Placeholder 8">
-            <a:extLst>
-              <a:ext uri="{FF2B5EF4-FFF2-40B4-BE49-F238E27FC236}">
-                <a16:creationId xmlns:a16="http://schemas.microsoft.com/office/drawing/2014/main" id="{BA5039AF-CDBD-4D77-962C-1DE2CC0CC143}"/>
-              </a:ext>
-            </a:extLst>
-          </p:cNvPr>
-          <p:cNvSpPr>
-            <a:spLocks noGrp="1"/>
-          </p:cNvSpPr>
-          <p:nvPr>
-            <p:ph type="body" sz="quarter" idx="13"/>
-          </p:nvPr>
-        </p:nvSpPr>
-        <p:spPr/>
-        <p:txBody>
-          <a:bodyPr/>
-          <a:lstStyle/>
-          <a:p>
-            <a:endParaRPr lang="en-US"/>
-          </a:p>
-        </p:txBody>
-      </p:sp>
+      <p:pic>
+        <p:nvPicPr>
+          <p:cNvPr id="3" name="Picture 2" descr="Shape&#10;&#10;Description automatically generated with medium confidence">
+            <a:extLst>
+              <a:ext uri="{FF2B5EF4-FFF2-40B4-BE49-F238E27FC236}">
+                <a16:creationId xmlns:a16="http://schemas.microsoft.com/office/drawing/2014/main" id="{5F4ED503-75FB-467C-8F45-0777AFBCA0CB}"/>
+              </a:ext>
+            </a:extLst>
+          </p:cNvPr>
+          <p:cNvPicPr>
+            <a:picLocks noChangeAspect="1"/>
+          </p:cNvPicPr>
+          <p:nvPr/>
+        </p:nvPicPr>
+        <p:blipFill>
+          <a:blip r:embed="rId5">
+            <a:extLst>
+              <a:ext uri="{28A0092B-C50C-407E-A947-70E740481C1C}">
+                <a14:useLocalDpi xmlns:a14="http://schemas.microsoft.com/office/drawing/2010/main" val="0"/>
+              </a:ext>
+            </a:extLst>
+          </a:blip>
+          <a:stretch>
+            <a:fillRect/>
+          </a:stretch>
+        </p:blipFill>
+        <p:spPr>
+          <a:xfrm>
+            <a:off x="4057813" y="4928522"/>
+            <a:ext cx="4915711" cy="937918"/>
+          </a:xfrm>
+          <a:prstGeom prst="rect">
+            <a:avLst/>
+          </a:prstGeom>
+        </p:spPr>
+      </p:pic>
     </p:spTree>
     <p:extLst>
       <p:ext uri="{BB962C8B-B14F-4D97-AF65-F5344CB8AC3E}">
-        <p14:creationId xmlns:p14="http://schemas.microsoft.com/office/powerpoint/2010/main" val="267602705"/>
+        <p14:creationId xmlns:p14="http://schemas.microsoft.com/office/powerpoint/2010/main" val="191049916"/>
       </p:ext>
     </p:extLst>
   </p:cSld>
@@ -9543,6 +9582,170 @@
       </p:grpSpPr>
       <p:sp>
         <p:nvSpPr>
+          <p:cNvPr id="5" name="Title 4">
+            <a:extLst>
+              <a:ext uri="{FF2B5EF4-FFF2-40B4-BE49-F238E27FC236}">
+                <a16:creationId xmlns:a16="http://schemas.microsoft.com/office/drawing/2014/main" id="{10801826-D1EC-495A-B39E-EB60FC876EB9}"/>
+              </a:ext>
+            </a:extLst>
+          </p:cNvPr>
+          <p:cNvSpPr>
+            <a:spLocks noGrp="1"/>
+          </p:cNvSpPr>
+          <p:nvPr>
+            <p:ph type="title"/>
+          </p:nvPr>
+        </p:nvSpPr>
+        <p:spPr/>
+        <p:txBody>
+          <a:bodyPr/>
+          <a:lstStyle/>
+          <a:p>
+            <a:r>
+              <a:rPr lang="en-US" dirty="0"/>
+              <a:t>Who I am</a:t>
+            </a:r>
+          </a:p>
+        </p:txBody>
+      </p:sp>
+      <p:sp>
+        <p:nvSpPr>
+          <p:cNvPr id="6" name="Text Placeholder 5">
+            <a:extLst>
+              <a:ext uri="{FF2B5EF4-FFF2-40B4-BE49-F238E27FC236}">
+                <a16:creationId xmlns:a16="http://schemas.microsoft.com/office/drawing/2014/main" id="{4AD74FBB-F86F-41E2-81B5-937757080026}"/>
+              </a:ext>
+            </a:extLst>
+          </p:cNvPr>
+          <p:cNvSpPr>
+            <a:spLocks noGrp="1"/>
+          </p:cNvSpPr>
+          <p:nvPr>
+            <p:ph type="body" sz="quarter" idx="10"/>
+          </p:nvPr>
+        </p:nvSpPr>
+        <p:spPr/>
+        <p:txBody>
+          <a:bodyPr>
+            <a:normAutofit fontScale="92500" lnSpcReduction="10000"/>
+          </a:bodyPr>
+          <a:lstStyle/>
+          <a:p>
+            <a:endParaRPr lang="en-US"/>
+          </a:p>
+        </p:txBody>
+      </p:sp>
+      <p:sp>
+        <p:nvSpPr>
+          <p:cNvPr id="7" name="Text Placeholder 6">
+            <a:extLst>
+              <a:ext uri="{FF2B5EF4-FFF2-40B4-BE49-F238E27FC236}">
+                <a16:creationId xmlns:a16="http://schemas.microsoft.com/office/drawing/2014/main" id="{5E39D7F1-ED04-48F8-B4A9-96B43565281F}"/>
+              </a:ext>
+            </a:extLst>
+          </p:cNvPr>
+          <p:cNvSpPr>
+            <a:spLocks noGrp="1"/>
+          </p:cNvSpPr>
+          <p:nvPr>
+            <p:ph type="body" sz="quarter" idx="11"/>
+          </p:nvPr>
+        </p:nvSpPr>
+        <p:spPr/>
+        <p:txBody>
+          <a:bodyPr>
+            <a:normAutofit fontScale="92500" lnSpcReduction="10000"/>
+          </a:bodyPr>
+          <a:lstStyle/>
+          <a:p>
+            <a:endParaRPr lang="en-US"/>
+          </a:p>
+        </p:txBody>
+      </p:sp>
+      <p:sp>
+        <p:nvSpPr>
+          <p:cNvPr id="8" name="Text Placeholder 7">
+            <a:extLst>
+              <a:ext uri="{FF2B5EF4-FFF2-40B4-BE49-F238E27FC236}">
+                <a16:creationId xmlns:a16="http://schemas.microsoft.com/office/drawing/2014/main" id="{2A12E99D-348B-4644-9C1E-5EE333B378ED}"/>
+              </a:ext>
+            </a:extLst>
+          </p:cNvPr>
+          <p:cNvSpPr>
+            <a:spLocks noGrp="1"/>
+          </p:cNvSpPr>
+          <p:nvPr>
+            <p:ph type="body" sz="quarter" idx="12"/>
+          </p:nvPr>
+        </p:nvSpPr>
+        <p:spPr/>
+        <p:txBody>
+          <a:bodyPr>
+            <a:normAutofit fontScale="92500" lnSpcReduction="10000"/>
+          </a:bodyPr>
+          <a:lstStyle/>
+          <a:p>
+            <a:endParaRPr lang="en-US"/>
+          </a:p>
+        </p:txBody>
+      </p:sp>
+      <p:sp>
+        <p:nvSpPr>
+          <p:cNvPr id="9" name="Text Placeholder 8">
+            <a:extLst>
+              <a:ext uri="{FF2B5EF4-FFF2-40B4-BE49-F238E27FC236}">
+                <a16:creationId xmlns:a16="http://schemas.microsoft.com/office/drawing/2014/main" id="{BA5039AF-CDBD-4D77-962C-1DE2CC0CC143}"/>
+              </a:ext>
+            </a:extLst>
+          </p:cNvPr>
+          <p:cNvSpPr>
+            <a:spLocks noGrp="1"/>
+          </p:cNvSpPr>
+          <p:nvPr>
+            <p:ph type="body" sz="quarter" idx="13"/>
+          </p:nvPr>
+        </p:nvSpPr>
+        <p:spPr/>
+        <p:txBody>
+          <a:bodyPr/>
+          <a:lstStyle/>
+          <a:p>
+            <a:endParaRPr lang="en-US"/>
+          </a:p>
+        </p:txBody>
+      </p:sp>
+    </p:spTree>
+    <p:extLst>
+      <p:ext uri="{BB962C8B-B14F-4D97-AF65-F5344CB8AC3E}">
+        <p14:creationId xmlns:p14="http://schemas.microsoft.com/office/powerpoint/2010/main" val="267602705"/>
+      </p:ext>
+    </p:extLst>
+  </p:cSld>
+  <p:clrMapOvr>
+    <a:masterClrMapping/>
+  </p:clrMapOvr>
+</p:sld>
+</file>
+
+<file path=ppt/slides/slide4.xml><?xml version="1.0" encoding="utf-8"?>
+<p:sld xmlns:a="http://schemas.openxmlformats.org/drawingml/2006/main" xmlns:r="http://schemas.openxmlformats.org/officeDocument/2006/relationships" xmlns:p="http://schemas.openxmlformats.org/presentationml/2006/main">
+  <p:cSld>
+    <p:spTree>
+      <p:nvGrpSpPr>
+        <p:cNvPr id="1" name=""/>
+        <p:cNvGrpSpPr/>
+        <p:nvPr/>
+      </p:nvGrpSpPr>
+      <p:grpSpPr>
+        <a:xfrm>
+          <a:off x="0" y="0"/>
+          <a:ext cx="0" cy="0"/>
+          <a:chOff x="0" y="0"/>
+          <a:chExt cx="0" cy="0"/>
+        </a:xfrm>
+      </p:grpSpPr>
+      <p:sp>
+        <p:nvSpPr>
           <p:cNvPr id="4" name="Title 3">
             <a:extLst>
               <a:ext uri="{FF2B5EF4-FFF2-40B4-BE49-F238E27FC236}">
@@ -9604,7 +9807,7 @@
 </p:sld>
 </file>
 
-<file path=ppt/slides/slide4.xml><?xml version="1.0" encoding="utf-8"?>
+<file path=ppt/slides/slide5.xml><?xml version="1.0" encoding="utf-8"?>
 <p:sld xmlns:a="http://schemas.openxmlformats.org/drawingml/2006/main" xmlns:r="http://schemas.openxmlformats.org/officeDocument/2006/relationships" xmlns:p="http://schemas.openxmlformats.org/presentationml/2006/main">
   <p:cSld>
     <p:spTree>
@@ -9634,66 +9837,6 @@
 </p:sld>
 </file>
 
-<file path=ppt/slides/slide5.xml><?xml version="1.0" encoding="utf-8"?>
-<p:sld xmlns:a="http://schemas.openxmlformats.org/drawingml/2006/main" xmlns:r="http://schemas.openxmlformats.org/officeDocument/2006/relationships" xmlns:p="http://schemas.openxmlformats.org/presentationml/2006/main">
-  <p:cSld>
-    <p:spTree>
-      <p:nvGrpSpPr>
-        <p:cNvPr id="1" name=""/>
-        <p:cNvGrpSpPr/>
-        <p:nvPr/>
-      </p:nvGrpSpPr>
-      <p:grpSpPr>
-        <a:xfrm>
-          <a:off x="0" y="0"/>
-          <a:ext cx="0" cy="0"/>
-          <a:chOff x="0" y="0"/>
-          <a:chExt cx="0" cy="0"/>
-        </a:xfrm>
-      </p:grpSpPr>
-      <p:sp>
-        <p:nvSpPr>
-          <p:cNvPr id="2" name="Text Placeholder 1">
-            <a:extLst>
-              <a:ext uri="{FF2B5EF4-FFF2-40B4-BE49-F238E27FC236}">
-                <a16:creationId xmlns:a16="http://schemas.microsoft.com/office/drawing/2014/main" id="{7949173F-1975-47A7-B592-458759073468}"/>
-              </a:ext>
-            </a:extLst>
-          </p:cNvPr>
-          <p:cNvSpPr>
-            <a:spLocks noGrp="1"/>
-          </p:cNvSpPr>
-          <p:nvPr>
-            <p:ph type="body" sz="quarter" idx="13"/>
-          </p:nvPr>
-        </p:nvSpPr>
-        <p:spPr/>
-        <p:txBody>
-          <a:bodyPr>
-            <a:normAutofit lnSpcReduction="10000"/>
-          </a:bodyPr>
-          <a:lstStyle/>
-          <a:p>
-            <a:r>
-              <a:rPr lang="en-US" dirty="0"/>
-              <a:t>DEMO</a:t>
-            </a:r>
-          </a:p>
-        </p:txBody>
-      </p:sp>
-    </p:spTree>
-    <p:extLst>
-      <p:ext uri="{BB962C8B-B14F-4D97-AF65-F5344CB8AC3E}">
-        <p14:creationId xmlns:p14="http://schemas.microsoft.com/office/powerpoint/2010/main" val="659384522"/>
-      </p:ext>
-    </p:extLst>
-  </p:cSld>
-  <p:clrMapOvr>
-    <a:masterClrMapping/>
-  </p:clrMapOvr>
-</p:sld>
-</file>
-
 <file path=ppt/slides/slide6.xml><?xml version="1.0" encoding="utf-8"?>
 <p:sld xmlns:a="http://schemas.openxmlformats.org/drawingml/2006/main" xmlns:r="http://schemas.openxmlformats.org/officeDocument/2006/relationships" xmlns:p="http://schemas.openxmlformats.org/presentationml/2006/main">
   <p:cSld>
@@ -9716,6 +9859,66 @@
           <p:cNvPr id="2" name="Text Placeholder 1">
             <a:extLst>
               <a:ext uri="{FF2B5EF4-FFF2-40B4-BE49-F238E27FC236}">
+                <a16:creationId xmlns:a16="http://schemas.microsoft.com/office/drawing/2014/main" id="{7949173F-1975-47A7-B592-458759073468}"/>
+              </a:ext>
+            </a:extLst>
+          </p:cNvPr>
+          <p:cNvSpPr>
+            <a:spLocks noGrp="1"/>
+          </p:cNvSpPr>
+          <p:nvPr>
+            <p:ph type="body" sz="quarter" idx="13"/>
+          </p:nvPr>
+        </p:nvSpPr>
+        <p:spPr/>
+        <p:txBody>
+          <a:bodyPr>
+            <a:normAutofit lnSpcReduction="10000"/>
+          </a:bodyPr>
+          <a:lstStyle/>
+          <a:p>
+            <a:r>
+              <a:rPr lang="en-US" dirty="0"/>
+              <a:t>DEMO</a:t>
+            </a:r>
+          </a:p>
+        </p:txBody>
+      </p:sp>
+    </p:spTree>
+    <p:extLst>
+      <p:ext uri="{BB962C8B-B14F-4D97-AF65-F5344CB8AC3E}">
+        <p14:creationId xmlns:p14="http://schemas.microsoft.com/office/powerpoint/2010/main" val="659384522"/>
+      </p:ext>
+    </p:extLst>
+  </p:cSld>
+  <p:clrMapOvr>
+    <a:masterClrMapping/>
+  </p:clrMapOvr>
+</p:sld>
+</file>
+
+<file path=ppt/slides/slide7.xml><?xml version="1.0" encoding="utf-8"?>
+<p:sld xmlns:a="http://schemas.openxmlformats.org/drawingml/2006/main" xmlns:r="http://schemas.openxmlformats.org/officeDocument/2006/relationships" xmlns:p="http://schemas.openxmlformats.org/presentationml/2006/main">
+  <p:cSld>
+    <p:spTree>
+      <p:nvGrpSpPr>
+        <p:cNvPr id="1" name=""/>
+        <p:cNvGrpSpPr/>
+        <p:nvPr/>
+      </p:nvGrpSpPr>
+      <p:grpSpPr>
+        <a:xfrm>
+          <a:off x="0" y="0"/>
+          <a:ext cx="0" cy="0"/>
+          <a:chOff x="0" y="0"/>
+          <a:chExt cx="0" cy="0"/>
+        </a:xfrm>
+      </p:grpSpPr>
+      <p:sp>
+        <p:nvSpPr>
+          <p:cNvPr id="2" name="Text Placeholder 1">
+            <a:extLst>
+              <a:ext uri="{FF2B5EF4-FFF2-40B4-BE49-F238E27FC236}">
                 <a16:creationId xmlns:a16="http://schemas.microsoft.com/office/drawing/2014/main" id="{28AD7696-4518-4706-8338-7F16A9E1D481}"/>
               </a:ext>
             </a:extLst>
@@ -9752,7 +9955,7 @@
 </p:sld>
 </file>
 
-<file path=ppt/slides/slide7.xml><?xml version="1.0" encoding="utf-8"?>
+<file path=ppt/slides/slide8.xml><?xml version="1.0" encoding="utf-8"?>
 <p:sld xmlns:a="http://schemas.openxmlformats.org/drawingml/2006/main" xmlns:r="http://schemas.openxmlformats.org/officeDocument/2006/relationships" xmlns:p="http://schemas.openxmlformats.org/presentationml/2006/main">
   <p:cSld>
     <p:spTree>
